--- a/03_Proiectarea BD prin normalizare/03e_Metodologie_sinteza.pptx
+++ b/03_Proiectarea BD prin normalizare/03e_Metodologie_sinteza.pptx
@@ -310,7 +310,7 @@
           </a:lstStyle>
           <a:p>
             <a:fld id="{6D78E13F-2160-334B-A559-923C0F5040C0}" type="datetimeFigureOut">
-              <a:t>26/02/2020</a:t>
+              <a:t>24/03/2020</a:t>
             </a:fld>
             <a:endParaRPr lang="en-US"/>
           </a:p>
@@ -1490,7 +1490,7 @@
                 </a:solidFill>
               </a:rPr>
               <a:pPr/>
-              <a:t>2/26/20</a:t>
+              <a:t>3/24/20</a:t>
             </a:fld>
             <a:endParaRPr lang="en-US">
               <a:solidFill>
@@ -1820,7 +1820,7 @@
                 </a:solidFill>
               </a:rPr>
               <a:pPr/>
-              <a:t>2/26/20</a:t>
+              <a:t>3/24/20</a:t>
             </a:fld>
             <a:endParaRPr lang="en-US">
               <a:solidFill>
@@ -2111,7 +2111,7 @@
                 </a:solidFill>
               </a:rPr>
               <a:pPr/>
-              <a:t>2/26/20</a:t>
+              <a:t>3/24/20</a:t>
             </a:fld>
             <a:endParaRPr lang="en-US">
               <a:solidFill>
@@ -2596,7 +2596,7 @@
                 </a:solidFill>
               </a:rPr>
               <a:pPr/>
-              <a:t>2/26/20</a:t>
+              <a:t>3/24/20</a:t>
             </a:fld>
             <a:endParaRPr lang="en-US">
               <a:solidFill>
@@ -3110,7 +3110,7 @@
                 </a:solidFill>
               </a:rPr>
               <a:pPr/>
-              <a:t>2/26/20</a:t>
+              <a:t>3/24/20</a:t>
             </a:fld>
             <a:endParaRPr lang="en-US">
               <a:solidFill>
@@ -3259,7 +3259,7 @@
                 </a:solidFill>
               </a:rPr>
               <a:pPr/>
-              <a:t>2/26/20</a:t>
+              <a:t>3/24/20</a:t>
             </a:fld>
             <a:endParaRPr lang="en-US">
               <a:solidFill>
@@ -3427,7 +3427,7 @@
                 </a:solidFill>
               </a:rPr>
               <a:pPr/>
-              <a:t>2/26/20</a:t>
+              <a:t>3/24/20</a:t>
             </a:fld>
             <a:endParaRPr lang="en-US">
               <a:solidFill>
@@ -3772,7 +3772,7 @@
                 </a:solidFill>
               </a:rPr>
               <a:pPr/>
-              <a:t>2/26/20</a:t>
+              <a:t>3/24/20</a:t>
             </a:fld>
             <a:endParaRPr lang="en-US">
               <a:solidFill>
@@ -4106,7 +4106,7 @@
                 </a:solidFill>
               </a:rPr>
               <a:pPr/>
-              <a:t>2/26/20</a:t>
+              <a:t>3/24/20</a:t>
             </a:fld>
             <a:endParaRPr lang="en-US">
               <a:solidFill>
@@ -4598,7 +4598,7 @@
                 </a:solidFill>
               </a:rPr>
               <a:pPr/>
-              <a:t>2/26/20</a:t>
+              <a:t>3/24/20</a:t>
             </a:fld>
             <a:endParaRPr lang="en-US">
               <a:solidFill>
@@ -4804,7 +4804,7 @@
                 </a:solidFill>
               </a:rPr>
               <a:pPr/>
-              <a:t>2/26/20</a:t>
+              <a:t>3/24/20</a:t>
             </a:fld>
             <a:endParaRPr lang="en-US">
               <a:solidFill>
@@ -26760,7 +26760,7 @@
               <a:t>func</a:t>
             </a:r>
             <a:r>
-              <a:rPr lang="ro-RO" sz="3000" dirty="0">
+              <a:rPr lang="ro-RO" sz="3000" dirty="0" err="1">
                 <a:latin typeface="Avenir Light"/>
                 <a:cs typeface="Avenir Light"/>
               </a:rPr>
@@ -26773,10 +26773,13 @@
               </a:rPr>
               <a:t>ionale</a:t>
             </a:r>
-            <a:endParaRPr lang="en-US" sz="3000" dirty="0">
-              <a:latin typeface="Avenir Light"/>
-              <a:cs typeface="Avenir Light"/>
-            </a:endParaRPr>
+            <a:r>
+              <a:rPr lang="en-US" sz="3000" dirty="0">
+                <a:latin typeface="Avenir Light"/>
+                <a:cs typeface="Avenir Light"/>
+              </a:rPr>
+              <a:t> (DF)</a:t>
+            </a:r>
           </a:p>
           <a:p>
             <a:pPr lvl="1">

--- a/03_Proiectarea BD prin normalizare/03e_Metodologie_sinteza.pptx
+++ b/03_Proiectarea BD prin normalizare/03e_Metodologie_sinteza.pptx
@@ -229,6 +229,43 @@
 </p:presentation>
 </file>
 
+<file path=ppt/revisionInfo.xml><?xml version="1.0" encoding="utf-8"?>
+<p1510:revInfo xmlns:a="http://schemas.openxmlformats.org/drawingml/2006/main" xmlns:r="http://schemas.openxmlformats.org/officeDocument/2006/relationships" xmlns:p1510="http://schemas.microsoft.com/office/powerpoint/2015/10/main">
+  <p1510:revLst>
+    <p1510:client id="{2B437B15-32E3-B349-8CB0-88B3F7835512}" v="8" dt="2022-05-11T10:59:48.960"/>
+  </p1510:revLst>
+</p1510:revInfo>
+</file>
+
+<file path=ppt/changesInfos/changesInfo1.xml><?xml version="1.0" encoding="utf-8"?>
+<pc:chgInfo xmlns:a="http://schemas.openxmlformats.org/drawingml/2006/main" xmlns:r="http://schemas.openxmlformats.org/officeDocument/2006/relationships" xmlns:ac="http://schemas.microsoft.com/office/drawing/2013/main/command" xmlns:pc="http://schemas.microsoft.com/office/powerpoint/2013/main/command">
+  <pc:docChgLst>
+    <pc:chgData name="Marin Fotache" userId="9233cd031198ef03" providerId="LiveId" clId="{2B437B15-32E3-B349-8CB0-88B3F7835512}"/>
+    <pc:docChg chg="custSel modSld">
+      <pc:chgData name="Marin Fotache" userId="9233cd031198ef03" providerId="LiveId" clId="{2B437B15-32E3-B349-8CB0-88B3F7835512}" dt="2022-05-11T10:59:50.811" v="16" actId="20577"/>
+      <pc:docMkLst>
+        <pc:docMk/>
+      </pc:docMkLst>
+      <pc:sldChg chg="modSp mod">
+        <pc:chgData name="Marin Fotache" userId="9233cd031198ef03" providerId="LiveId" clId="{2B437B15-32E3-B349-8CB0-88B3F7835512}" dt="2022-05-11T10:59:50.811" v="16" actId="20577"/>
+        <pc:sldMkLst>
+          <pc:docMk/>
+          <pc:sldMk cId="241040224" sldId="394"/>
+        </pc:sldMkLst>
+        <pc:spChg chg="mod">
+          <ac:chgData name="Marin Fotache" userId="9233cd031198ef03" providerId="LiveId" clId="{2B437B15-32E3-B349-8CB0-88B3F7835512}" dt="2022-05-11T10:59:50.811" v="16" actId="20577"/>
+          <ac:spMkLst>
+            <pc:docMk/>
+            <pc:sldMk cId="241040224" sldId="394"/>
+            <ac:spMk id="15363" creationId="{00000000-0000-0000-0000-000000000000}"/>
+          </ac:spMkLst>
+        </pc:spChg>
+      </pc:sldChg>
+    </pc:docChg>
+  </pc:docChgLst>
+</pc:chgInfo>
+</file>
+
 <file path=ppt/notesMasters/notesMaster1.xml><?xml version="1.0" encoding="utf-8"?>
 <p:notesMaster xmlns:a="http://schemas.openxmlformats.org/drawingml/2006/main" xmlns:r="http://schemas.openxmlformats.org/officeDocument/2006/relationships" xmlns:p="http://schemas.openxmlformats.org/presentationml/2006/main">
   <p:cSld>
@@ -310,7 +347,7 @@
           </a:lstStyle>
           <a:p>
             <a:fld id="{6D78E13F-2160-334B-A559-923C0F5040C0}" type="datetimeFigureOut">
-              <a:t>24/03/2020</a:t>
+              <a:t>11.05.2022</a:t>
             </a:fld>
             <a:endParaRPr lang="en-US"/>
           </a:p>
@@ -1490,7 +1527,7 @@
                 </a:solidFill>
               </a:rPr>
               <a:pPr/>
-              <a:t>3/24/20</a:t>
+              <a:t>5/11/22</a:t>
             </a:fld>
             <a:endParaRPr lang="en-US">
               <a:solidFill>
@@ -1820,7 +1857,7 @@
                 </a:solidFill>
               </a:rPr>
               <a:pPr/>
-              <a:t>3/24/20</a:t>
+              <a:t>5/11/22</a:t>
             </a:fld>
             <a:endParaRPr lang="en-US">
               <a:solidFill>
@@ -2111,7 +2148,7 @@
                 </a:solidFill>
               </a:rPr>
               <a:pPr/>
-              <a:t>3/24/20</a:t>
+              <a:t>5/11/22</a:t>
             </a:fld>
             <a:endParaRPr lang="en-US">
               <a:solidFill>
@@ -2596,7 +2633,7 @@
                 </a:solidFill>
               </a:rPr>
               <a:pPr/>
-              <a:t>3/24/20</a:t>
+              <a:t>5/11/22</a:t>
             </a:fld>
             <a:endParaRPr lang="en-US">
               <a:solidFill>
@@ -3110,7 +3147,7 @@
                 </a:solidFill>
               </a:rPr>
               <a:pPr/>
-              <a:t>3/24/20</a:t>
+              <a:t>5/11/22</a:t>
             </a:fld>
             <a:endParaRPr lang="en-US">
               <a:solidFill>
@@ -3259,7 +3296,7 @@
                 </a:solidFill>
               </a:rPr>
               <a:pPr/>
-              <a:t>3/24/20</a:t>
+              <a:t>5/11/22</a:t>
             </a:fld>
             <a:endParaRPr lang="en-US">
               <a:solidFill>
@@ -3427,7 +3464,7 @@
                 </a:solidFill>
               </a:rPr>
               <a:pPr/>
-              <a:t>3/24/20</a:t>
+              <a:t>5/11/22</a:t>
             </a:fld>
             <a:endParaRPr lang="en-US">
               <a:solidFill>
@@ -3772,7 +3809,7 @@
                 </a:solidFill>
               </a:rPr>
               <a:pPr/>
-              <a:t>3/24/20</a:t>
+              <a:t>5/11/22</a:t>
             </a:fld>
             <a:endParaRPr lang="en-US">
               <a:solidFill>
@@ -4106,7 +4143,7 @@
                 </a:solidFill>
               </a:rPr>
               <a:pPr/>
-              <a:t>3/24/20</a:t>
+              <a:t>5/11/22</a:t>
             </a:fld>
             <a:endParaRPr lang="en-US">
               <a:solidFill>
@@ -4598,7 +4635,7 @@
                 </a:solidFill>
               </a:rPr>
               <a:pPr/>
-              <a:t>3/24/20</a:t>
+              <a:t>5/11/22</a:t>
             </a:fld>
             <a:endParaRPr lang="en-US">
               <a:solidFill>
@@ -4804,7 +4841,7 @@
                 </a:solidFill>
               </a:rPr>
               <a:pPr/>
-              <a:t>3/24/20</a:t>
+              <a:t>5/11/22</a:t>
             </a:fld>
             <a:endParaRPr lang="en-US">
               <a:solidFill>
@@ -15641,44 +15678,104 @@
         </p:nvSpPr>
         <p:spPr>
           <a:xfrm>
-            <a:off x="900067" y="1510922"/>
-            <a:ext cx="7945610" cy="5347078"/>
+            <a:off x="900067" y="1223376"/>
+            <a:ext cx="7945610" cy="5634624"/>
           </a:xfrm>
         </p:spPr>
         <p:txBody>
           <a:bodyPr>
-            <a:normAutofit/>
+            <a:normAutofit lnSpcReduction="10000"/>
           </a:bodyPr>
           <a:lstStyle/>
           <a:p>
             <a:pPr marL="365760" indent="-283464"/>
             <a:r>
-              <a:rPr lang="en-US">
-                <a:cs typeface="Avenir Light"/>
-              </a:rPr>
-              <a:t>07a_Metodologie. Introducere, atomicitate</a:t>
-            </a:r>
+              <a:rPr lang="en-US" dirty="0">
+                <a:cs typeface="Avenir Light"/>
+              </a:rPr>
+              <a:t>07a_Metodologie. </a:t>
+            </a:r>
+            <a:r>
+              <a:rPr lang="en-US" dirty="0" err="1">
+                <a:cs typeface="Avenir Light"/>
+              </a:rPr>
+              <a:t>Introducere</a:t>
+            </a:r>
+            <a:r>
+              <a:rPr lang="en-US" dirty="0">
+                <a:cs typeface="Avenir Light"/>
+              </a:rPr>
+              <a:t>, </a:t>
+            </a:r>
+            <a:r>
+              <a:rPr lang="en-US" dirty="0" err="1">
+                <a:cs typeface="Avenir Light"/>
+              </a:rPr>
+              <a:t>atomicitate</a:t>
+            </a:r>
+            <a:endParaRPr lang="en-US" dirty="0">
+              <a:cs typeface="Avenir Light"/>
+            </a:endParaRPr>
           </a:p>
           <a:p>
             <a:pPr marL="82296" indent="0">
               <a:buNone/>
             </a:pPr>
             <a:r>
-              <a:rPr lang="en-US" sz="2200">
+              <a:rPr lang="en-US" sz="2200" dirty="0">
                 <a:hlinkClick r:id="rId3"/>
               </a:rPr>
-              <a:t>https://1drv.ms/v/s!AgPvmBEDzTOSwRvo9y9EPESxJHdT</a:t>
-            </a:r>
-            <a:endParaRPr lang="en-US" sz="2200"/>
+              <a:t>https://1drv.ms/v/s!AgPvmBEDzTOSjrtscbafpbuA6cDxsg?e=bUH4Wp</a:t>
+            </a:r>
+            <a:endParaRPr lang="en-US" sz="2200" dirty="0"/>
+          </a:p>
+          <a:p>
+            <a:pPr marL="82296" indent="0">
+              <a:buNone/>
+            </a:pPr>
+            <a:endParaRPr lang="en-US" sz="500" dirty="0"/>
           </a:p>
           <a:p>
             <a:pPr marL="365760" indent="-283464"/>
             <a:r>
-              <a:rPr lang="en-US">
-                <a:cs typeface="Avenir Light"/>
-              </a:rPr>
-              <a:t>07b_Metodologie. DF simetrice, chei surogat</a:t>
-            </a:r>
+              <a:rPr lang="en-US" dirty="0">
+                <a:cs typeface="Avenir Light"/>
+              </a:rPr>
+              <a:t>07b_Metodologie. DF </a:t>
+            </a:r>
+            <a:r>
+              <a:rPr lang="en-US" dirty="0" err="1">
+                <a:cs typeface="Avenir Light"/>
+              </a:rPr>
+              <a:t>simetrice</a:t>
+            </a:r>
+            <a:r>
+              <a:rPr lang="en-US" dirty="0">
+                <a:cs typeface="Avenir Light"/>
+              </a:rPr>
+              <a:t>, </a:t>
+            </a:r>
+            <a:r>
+              <a:rPr lang="en-US" dirty="0" err="1">
+                <a:cs typeface="Avenir Light"/>
+              </a:rPr>
+              <a:t>chei</a:t>
+            </a:r>
+            <a:r>
+              <a:rPr lang="en-US" dirty="0">
+                <a:cs typeface="Avenir Light"/>
+              </a:rPr>
+              <a:t> </a:t>
+            </a:r>
+            <a:r>
+              <a:rPr lang="en-US" dirty="0" err="1">
+                <a:cs typeface="Avenir Light"/>
+              </a:rPr>
+              <a:t>surogat</a:t>
+            </a:r>
+            <a:endParaRPr lang="en-US" dirty="0">
+              <a:cs typeface="Avenir Light"/>
+            </a:endParaRPr>
           </a:p>
           <a:p>
             <a:pPr marL="82296" indent="0">
@@ -15688,25 +15785,12 @@
               <a:buNone/>
             </a:pPr>
             <a:r>
-              <a:rPr lang="en-US" sz="2200">
+              <a:rPr lang="en-US" sz="2200" dirty="0">
                 <a:hlinkClick r:id="rId4"/>
               </a:rPr>
-              <a:t>https://1drv.ms/v/s!AgPvmBEDzTOSwRohFytqwL-BXsPA</a:t>
-            </a:r>
-            <a:endParaRPr lang="en-US" sz="2200"/>
-          </a:p>
-          <a:p>
-            <a:pPr marL="365760" indent="-283464">
-              <a:lnSpc>
-                <a:spcPct val="110000"/>
-              </a:lnSpc>
-            </a:pPr>
-            <a:r>
-              <a:rPr lang="en-US">
-                <a:cs typeface="Avenir Light"/>
-              </a:rPr>
-              <a:t>07c_Metodologie. D incluziune, BCNF</a:t>
-            </a:r>
+              <a:t>https://1drv.ms/v/s!AgPvmBEDzTOSwRohFytqwL-BXsPA?e=xRehC0</a:t>
+            </a:r>
+            <a:endParaRPr lang="en-US" sz="2200" dirty="0"/>
           </a:p>
           <a:p>
             <a:pPr marL="82296" indent="0">
@@ -15715,13 +15799,47 @@
               </a:lnSpc>
               <a:buNone/>
             </a:pPr>
-            <a:r>
-              <a:rPr lang="en-US" sz="2200">
+            <a:endParaRPr lang="en-US" sz="500" dirty="0"/>
+          </a:p>
+          <a:p>
+            <a:pPr marL="365760" indent="-283464">
+              <a:lnSpc>
+                <a:spcPct val="110000"/>
+              </a:lnSpc>
+            </a:pPr>
+            <a:r>
+              <a:rPr lang="en-US" dirty="0">
+                <a:cs typeface="Avenir Light"/>
+              </a:rPr>
+              <a:t>07c_Metodologie. D </a:t>
+            </a:r>
+            <a:r>
+              <a:rPr lang="en-US" dirty="0" err="1">
+                <a:cs typeface="Avenir Light"/>
+              </a:rPr>
+              <a:t>incluziune</a:t>
+            </a:r>
+            <a:r>
+              <a:rPr lang="en-US" dirty="0">
+                <a:cs typeface="Avenir Light"/>
+              </a:rPr>
+              <a:t>, BCNF</a:t>
+            </a:r>
+          </a:p>
+          <a:p>
+            <a:pPr marL="82296" indent="0">
+              <a:lnSpc>
+                <a:spcPct val="110000"/>
+              </a:lnSpc>
+              <a:buNone/>
+            </a:pPr>
+            <a:r>
+              <a:rPr lang="en-US" sz="2200" dirty="0">
                 <a:hlinkClick r:id="rId5"/>
               </a:rPr>
-              <a:t>https://1drv.ms/v/s!AgPvmBEDzTOSwRlPxwtzNED5QSx7</a:t>
-            </a:r>
-            <a:endParaRPr lang="ro-RO" sz="2200"/>
+              <a:t>https://1drv.ms/v/s!AgPvmBEDzTOSwRlPxwtzNED5QSx7?e=gJuFs5</a:t>
+            </a:r>
+            <a:endParaRPr lang="en-US" sz="2200" dirty="0"/>
           </a:p>
           <a:p>
             <a:pPr marL="365760" indent="-283464">
@@ -15730,11 +15848,20 @@
               </a:lnSpc>
             </a:pPr>
             <a:r>
-              <a:rPr lang="ro-RO">
-                <a:cs typeface="Avenir Light"/>
-              </a:rPr>
-              <a:t>07d_Metodologie. DMV, izolare,temporalitate</a:t>
-            </a:r>
+              <a:rPr lang="ro-RO" dirty="0">
+                <a:cs typeface="Avenir Light"/>
+              </a:rPr>
+              <a:t>07d_Metodologie. DMV, </a:t>
+            </a:r>
+            <a:r>
+              <a:rPr lang="ro-RO" dirty="0" err="1">
+                <a:cs typeface="Avenir Light"/>
+              </a:rPr>
+              <a:t>izolare,temporalitate</a:t>
+            </a:r>
+            <a:endParaRPr lang="ro-RO" dirty="0">
+              <a:cs typeface="Avenir Light"/>
+            </a:endParaRPr>
           </a:p>
           <a:p>
             <a:pPr marL="82296" indent="0">
@@ -15744,12 +15871,12 @@
               <a:buNone/>
             </a:pPr>
             <a:r>
-              <a:rPr lang="ro-RO" sz="2200">
+              <a:rPr lang="ro-RO" sz="2200" dirty="0">
                 <a:hlinkClick r:id="rId6"/>
               </a:rPr>
-              <a:t>https://1drv.ms/v/s!AgPvmBEDzTOSwRgy82TGgzoyzsB6</a:t>
-            </a:r>
-            <a:endParaRPr lang="ro-RO" sz="2200"/>
+              <a:t>https://1drv.ms/v/s!AgPvmBEDzTOSwRgy82TGgzoyzsB6?e=xPuf5S</a:t>
+            </a:r>
+            <a:endParaRPr lang="ro-RO" sz="2200" dirty="0"/>
           </a:p>
           <a:p>
             <a:pPr marL="82296" indent="0">
@@ -15758,16 +15885,7 @@
               </a:lnSpc>
               <a:buNone/>
             </a:pPr>
-            <a:endParaRPr lang="ro-RO" sz="2200"/>
-          </a:p>
-          <a:p>
-            <a:pPr marL="82296" indent="0">
-              <a:lnSpc>
-                <a:spcPct val="120000"/>
-              </a:lnSpc>
-              <a:buNone/>
-            </a:pPr>
-            <a:endParaRPr lang="ro-RO" sz="2200"/>
+            <a:endParaRPr lang="ro-RO" sz="2200" dirty="0"/>
           </a:p>
         </p:txBody>
       </p:sp>
